--- a/Wineterinternship.pptx
+++ b/Wineterinternship.pptx
@@ -227,7 +227,7 @@
           <a:p>
             <a:fld id="{1EBEDD12-BCD5-485B-BCBC-34BB01D7923C}" type="datetimeFigureOut">
               <a:rPr lang="en-US" smtClean="0"/>
-              <a:t>4/17/2025</a:t>
+              <a:t>5/5/2025</a:t>
             </a:fld>
             <a:endParaRPr lang="en-US" dirty="0"/>
           </a:p>
@@ -441,7 +441,7 @@
           <a:p>
             <a:fld id="{6EE7A52F-9D89-7442-A8E9-48D1527B5F6B}" type="datetimeFigureOut">
               <a:rPr lang="en-US" smtClean="0"/>
-              <a:t>4/17/2025</a:t>
+              <a:t>5/5/2025</a:t>
             </a:fld>
             <a:endParaRPr lang="en-US" dirty="0"/>
           </a:p>
@@ -9847,11 +9847,11 @@
             </a:pPr>
             <a:r>
               <a:rPr lang="en-US" sz="4000" dirty="0" err="1"/>
-              <a:t>Chechout</a:t>
+              <a:t>Cheke</a:t>
             </a:r>
             <a:r>
               <a:rPr lang="en-US" sz="4000" dirty="0"/>
-              <a:t> Page</a:t>
+              <a:t> out Page</a:t>
             </a:r>
           </a:p>
           <a:p>
@@ -9895,18 +9895,7 @@
                 <a:latin typeface="Cambria" panose="02040503050406030204" pitchFamily="18" charset="0"/>
                 <a:ea typeface="Cambria" panose="02040503050406030204" pitchFamily="18" charset="0"/>
               </a:rPr>
-              <a:t>product and address and then can </a:t>
-            </a:r>
-            <a:r>
-              <a:rPr lang="en-US" sz="2800" dirty="0" err="1">
-                <a:solidFill>
-                  <a:srgbClr val="444444"/>
-                </a:solidFill>
-                <a:effectLst/>
-                <a:latin typeface="Cambria" panose="02040503050406030204" pitchFamily="18" charset="0"/>
-                <a:ea typeface="Cambria" panose="02040503050406030204" pitchFamily="18" charset="0"/>
-              </a:rPr>
-              <a:t>chechout</a:t>
+              <a:t>product and address and then can check out</a:t>
             </a:r>
             <a:r>
               <a:rPr lang="en-US" sz="2800" dirty="0">
@@ -10152,7 +10141,7 @@
                   </a:schemeClr>
                 </a:solidFill>
               </a:rPr>
-              <a:t>During my three-month online web development internship at </a:t>
+              <a:t>During my three-month online  Python Programming internship at </a:t>
             </a:r>
             <a:r>
               <a:rPr lang="en-US" sz="1800" i="0" dirty="0" err="1">
@@ -12469,23 +12458,7 @@
                 <a:ea typeface="Roboto" panose="02000000000000000000" pitchFamily="2" charset="0"/>
                 <a:cs typeface="Roboto" panose="02000000000000000000" pitchFamily="2" charset="0"/>
               </a:rPr>
-              <a:t>Product details </a:t>
-            </a:r>
-            <a:r>
-              <a:rPr lang="en-US" sz="11200" dirty="0" err="1">
-                <a:latin typeface="Roboto" panose="02000000000000000000" pitchFamily="2" charset="0"/>
-                <a:ea typeface="Roboto" panose="02000000000000000000" pitchFamily="2" charset="0"/>
-                <a:cs typeface="Roboto" panose="02000000000000000000" pitchFamily="2" charset="0"/>
-              </a:rPr>
-              <a:t>andcart</a:t>
-            </a:r>
-            <a:r>
-              <a:rPr lang="en-US" sz="11200" dirty="0">
-                <a:latin typeface="Roboto" panose="02000000000000000000" pitchFamily="2" charset="0"/>
-                <a:ea typeface="Roboto" panose="02000000000000000000" pitchFamily="2" charset="0"/>
-                <a:cs typeface="Roboto" panose="02000000000000000000" pitchFamily="2" charset="0"/>
-              </a:rPr>
-              <a:t> page</a:t>
+              <a:t>Product details and cart page</a:t>
             </a:r>
           </a:p>
           <a:p>
@@ -12529,7 +12502,7 @@
                 <a:latin typeface="Cambria" panose="02040503050406030204" pitchFamily="18" charset="0"/>
                 <a:ea typeface="Cambria" panose="02040503050406030204" pitchFamily="18" charset="0"/>
               </a:rPr>
-              <a:t>operstionto</a:t>
+              <a:t>Opertion</a:t>
             </a:r>
             <a:r>
               <a:rPr lang="en-US" sz="8000" dirty="0">
@@ -12540,51 +12513,7 @@
                 <a:latin typeface="Cambria" panose="02040503050406030204" pitchFamily="18" charset="0"/>
                 <a:ea typeface="Cambria" panose="02040503050406030204" pitchFamily="18" charset="0"/>
               </a:rPr>
-              <a:t> add </a:t>
-            </a:r>
-            <a:r>
-              <a:rPr lang="en-US" sz="8000" dirty="0" err="1">
-                <a:solidFill>
-                  <a:srgbClr val="444444"/>
-                </a:solidFill>
-                <a:effectLst/>
-                <a:latin typeface="Cambria" panose="02040503050406030204" pitchFamily="18" charset="0"/>
-                <a:ea typeface="Cambria" panose="02040503050406030204" pitchFamily="18" charset="0"/>
-              </a:rPr>
-              <a:t>imajes</a:t>
-            </a:r>
-            <a:r>
-              <a:rPr lang="en-US" sz="8000" dirty="0">
-                <a:solidFill>
-                  <a:srgbClr val="444444"/>
-                </a:solidFill>
-                <a:effectLst/>
-                <a:latin typeface="Cambria" panose="02040503050406030204" pitchFamily="18" charset="0"/>
-                <a:ea typeface="Cambria" panose="02040503050406030204" pitchFamily="18" charset="0"/>
-              </a:rPr>
-              <a:t> in the section for </a:t>
-            </a:r>
-            <a:r>
-              <a:rPr lang="en-US" sz="8000" dirty="0" err="1">
-                <a:solidFill>
-                  <a:srgbClr val="444444"/>
-                </a:solidFill>
-                <a:effectLst/>
-                <a:latin typeface="Cambria" panose="02040503050406030204" pitchFamily="18" charset="0"/>
-                <a:ea typeface="Cambria" panose="02040503050406030204" pitchFamily="18" charset="0"/>
-              </a:rPr>
-              <a:t>shoping</a:t>
-            </a:r>
-            <a:r>
-              <a:rPr lang="en-US" sz="8000" dirty="0">
-                <a:solidFill>
-                  <a:srgbClr val="444444"/>
-                </a:solidFill>
-                <a:effectLst/>
-                <a:latin typeface="Cambria" panose="02040503050406030204" pitchFamily="18" charset="0"/>
-                <a:ea typeface="Cambria" panose="02040503050406030204" pitchFamily="18" charset="0"/>
-              </a:rPr>
-              <a:t> </a:t>
+              <a:t> to add images in the section for shopping </a:t>
             </a:r>
             <a:r>
               <a:rPr lang="en-US" sz="8000" dirty="0">
@@ -13569,35 +13498,6 @@
 </file>
 
 <file path=customXml/item1.xml><?xml version="1.0" encoding="utf-8"?>
-<?mso-contentType ?>
-<FormTemplates xmlns="http://schemas.microsoft.com/sharepoint/v3/contenttype/forms">
-  <Display>DocumentLibraryForm</Display>
-  <Edit>DocumentLibraryForm</Edit>
-  <New>DocumentLibraryForm</New>
-</FormTemplates>
-</file>
-
-<file path=customXml/item2.xml><?xml version="1.0" encoding="utf-8"?>
-<p:properties xmlns:p="http://schemas.microsoft.com/office/2006/metadata/properties" xmlns:xsi="http://www.w3.org/2001/XMLSchema-instance" xmlns:pc="http://schemas.microsoft.com/office/infopath/2007/PartnerControls">
-  <documentManagement>
-    <Background xmlns="71af3243-3dd4-4a8d-8c0d-dd76da1f02a5">false</Background>
-    <Status xmlns="71af3243-3dd4-4a8d-8c0d-dd76da1f02a5">Not started</Status>
-    <_ip_UnifiedCompliancePolicyUIAction xmlns="http://schemas.microsoft.com/sharepoint/v3" xsi:nil="true"/>
-    <Image xmlns="71af3243-3dd4-4a8d-8c0d-dd76da1f02a5">
-      <Url xsi:nil="true"/>
-      <Description xsi:nil="true"/>
-    </Image>
-    <_ip_UnifiedCompliancePolicyProperties xmlns="http://schemas.microsoft.com/sharepoint/v3" xsi:nil="true"/>
-    <ImageTagsTaxHTField xmlns="71af3243-3dd4-4a8d-8c0d-dd76da1f02a5">
-      <Terms xmlns="http://schemas.microsoft.com/office/infopath/2007/PartnerControls"/>
-    </ImageTagsTaxHTField>
-    <TaxCatchAll xmlns="230e9df3-be65-4c73-a93b-d1236ebd677e" xsi:nil="true"/>
-    <MediaServiceKeyPoints xmlns="71af3243-3dd4-4a8d-8c0d-dd76da1f02a5" xsi:nil="true"/>
-  </documentManagement>
-</p:properties>
-</file>
-
-<file path=customXml/item3.xml><?xml version="1.0" encoding="utf-8"?>
 <ct:contentTypeSchema xmlns:ct="http://schemas.microsoft.com/office/2006/metadata/contentType" xmlns:ma="http://schemas.microsoft.com/office/2006/metadata/properties/metaAttributes" ct:_="" ma:_="" ma:contentTypeName="Document" ma:contentTypeID="0x01010079F111ED35F8CC479449609E8A0923A6" ma:contentTypeVersion="28" ma:contentTypeDescription="Create a new document." ma:contentTypeScope="" ma:versionID="60f5a4f2d2b0abadcf532d48ebf9cb71">
   <xsd:schema xmlns:xsd="http://www.w3.org/2001/XMLSchema" xmlns:xs="http://www.w3.org/2001/XMLSchema" xmlns:p="http://schemas.microsoft.com/office/2006/metadata/properties" xmlns:ns1="http://schemas.microsoft.com/sharepoint/v3" xmlns:ns2="71af3243-3dd4-4a8d-8c0d-dd76da1f02a5" xmlns:ns3="16c05727-aa75-4e4a-9b5f-8a80a1165891" xmlns:ns4="230e9df3-be65-4c73-a93b-d1236ebd677e" targetNamespace="http://schemas.microsoft.com/office/2006/metadata/properties" ma:root="true" ma:fieldsID="7dd78129e6a1811f84807ad11c651531" ns1:_="" ns2:_="" ns3:_="" ns4:_="">
     <xsd:import namespace="http://schemas.microsoft.com/sharepoint/v3"/>
@@ -13909,27 +13809,36 @@
 </ct:contentTypeSchema>
 </file>
 
-<file path=customXml/itemProps1.xml><?xml version="1.0" encoding="utf-8"?>
-<ds:datastoreItem xmlns:ds="http://schemas.openxmlformats.org/officeDocument/2006/customXml" ds:itemID="{C21FFAC0-05A2-416A-B06C-C248395482CF}">
-  <ds:schemaRefs>
-    <ds:schemaRef ds:uri="http://schemas.microsoft.com/sharepoint/v3/contenttype/forms"/>
-  </ds:schemaRefs>
-</ds:datastoreItem>
+<file path=customXml/item2.xml><?xml version="1.0" encoding="utf-8"?>
+<p:properties xmlns:p="http://schemas.microsoft.com/office/2006/metadata/properties" xmlns:xsi="http://www.w3.org/2001/XMLSchema-instance" xmlns:pc="http://schemas.microsoft.com/office/infopath/2007/PartnerControls">
+  <documentManagement>
+    <Background xmlns="71af3243-3dd4-4a8d-8c0d-dd76da1f02a5">false</Background>
+    <Status xmlns="71af3243-3dd4-4a8d-8c0d-dd76da1f02a5">Not started</Status>
+    <_ip_UnifiedCompliancePolicyUIAction xmlns="http://schemas.microsoft.com/sharepoint/v3" xsi:nil="true"/>
+    <Image xmlns="71af3243-3dd4-4a8d-8c0d-dd76da1f02a5">
+      <Url xsi:nil="true"/>
+      <Description xsi:nil="true"/>
+    </Image>
+    <_ip_UnifiedCompliancePolicyProperties xmlns="http://schemas.microsoft.com/sharepoint/v3" xsi:nil="true"/>
+    <ImageTagsTaxHTField xmlns="71af3243-3dd4-4a8d-8c0d-dd76da1f02a5">
+      <Terms xmlns="http://schemas.microsoft.com/office/infopath/2007/PartnerControls"/>
+    </ImageTagsTaxHTField>
+    <TaxCatchAll xmlns="230e9df3-be65-4c73-a93b-d1236ebd677e" xsi:nil="true"/>
+    <MediaServiceKeyPoints xmlns="71af3243-3dd4-4a8d-8c0d-dd76da1f02a5" xsi:nil="true"/>
+  </documentManagement>
+</p:properties>
 </file>
 
-<file path=customXml/itemProps2.xml><?xml version="1.0" encoding="utf-8"?>
-<ds:datastoreItem xmlns:ds="http://schemas.openxmlformats.org/officeDocument/2006/customXml" ds:itemID="{4F4B194E-8B30-4377-8C59-ECFB902D2A26}">
-  <ds:schemaRefs>
-    <ds:schemaRef ds:uri="http://schemas.microsoft.com/office/2006/metadata/properties"/>
-    <ds:schemaRef ds:uri="http://schemas.microsoft.com/office/infopath/2007/PartnerControls"/>
-    <ds:schemaRef ds:uri="71af3243-3dd4-4a8d-8c0d-dd76da1f02a5"/>
-    <ds:schemaRef ds:uri="http://schemas.microsoft.com/sharepoint/v3"/>
-    <ds:schemaRef ds:uri="230e9df3-be65-4c73-a93b-d1236ebd677e"/>
-  </ds:schemaRefs>
-</ds:datastoreItem>
+<file path=customXml/item3.xml><?xml version="1.0" encoding="utf-8"?>
+<?mso-contentType ?>
+<FormTemplates xmlns="http://schemas.microsoft.com/sharepoint/v3/contenttype/forms">
+  <Display>DocumentLibraryForm</Display>
+  <Edit>DocumentLibraryForm</Edit>
+  <New>DocumentLibraryForm</New>
+</FormTemplates>
 </file>
 
-<file path=customXml/itemProps3.xml><?xml version="1.0" encoding="utf-8"?>
+<file path=customXml/itemProps1.xml><?xml version="1.0" encoding="utf-8"?>
 <ds:datastoreItem xmlns:ds="http://schemas.openxmlformats.org/officeDocument/2006/customXml" ds:itemID="{92DB9E12-8AC3-4138-BF4D-720A5525AB10}">
   <ds:schemaRefs>
     <ds:schemaRef ds:uri="http://schemas.microsoft.com/office/2006/metadata/contentType"/>
@@ -13950,6 +13859,26 @@
 </ds:datastoreItem>
 </file>
 
+<file path=customXml/itemProps2.xml><?xml version="1.0" encoding="utf-8"?>
+<ds:datastoreItem xmlns:ds="http://schemas.openxmlformats.org/officeDocument/2006/customXml" ds:itemID="{4F4B194E-8B30-4377-8C59-ECFB902D2A26}">
+  <ds:schemaRefs>
+    <ds:schemaRef ds:uri="http://schemas.microsoft.com/office/2006/metadata/properties"/>
+    <ds:schemaRef ds:uri="http://schemas.microsoft.com/office/infopath/2007/PartnerControls"/>
+    <ds:schemaRef ds:uri="71af3243-3dd4-4a8d-8c0d-dd76da1f02a5"/>
+    <ds:schemaRef ds:uri="http://schemas.microsoft.com/sharepoint/v3"/>
+    <ds:schemaRef ds:uri="230e9df3-be65-4c73-a93b-d1236ebd677e"/>
+  </ds:schemaRefs>
+</ds:datastoreItem>
+</file>
+
+<file path=customXml/itemProps3.xml><?xml version="1.0" encoding="utf-8"?>
+<ds:datastoreItem xmlns:ds="http://schemas.openxmlformats.org/officeDocument/2006/customXml" ds:itemID="{C21FFAC0-05A2-416A-B06C-C248395482CF}">
+  <ds:schemaRefs>
+    <ds:schemaRef ds:uri="http://schemas.microsoft.com/sharepoint/v3/contenttype/forms"/>
+  </ds:schemaRefs>
+</ds:datastoreItem>
+</file>
+
 <file path=docMetadata/LabelInfo.xml><?xml version="1.0" encoding="utf-8"?>
 <clbl:labelList xmlns:clbl="http://schemas.microsoft.com/office/2020/mipLabelMetadata"/>
 </file>